--- a/POSTER OPENSPARC.pptx
+++ b/POSTER OPENSPARC.pptx
@@ -5,14 +5,13 @@
     <p:sldMasterId id="2147483660" r:id="rId4"/>
   </p:sldMasterIdLst>
   <p:notesMasterIdLst>
-    <p:notesMasterId r:id="rId7"/>
+    <p:notesMasterId r:id="rId6"/>
   </p:notesMasterIdLst>
   <p:handoutMasterIdLst>
-    <p:handoutMasterId r:id="rId8"/>
+    <p:handoutMasterId r:id="rId7"/>
   </p:handoutMasterIdLst>
   <p:sldIdLst>
     <p:sldId id="256" r:id="rId5"/>
-    <p:sldId id="257" r:id="rId6"/>
   </p:sldIdLst>
   <p:sldSz cx="43891200" cy="32918400"/>
   <p:notesSz cx="6858000" cy="9144000"/>
@@ -113,7 +112,18 @@
   </p:defaultTextStyle>
   <p:extLst>
     <p:ext uri="{EFAFB233-063F-42B5-8137-9DF3F51BA10A}">
-      <p15:sldGuideLst xmlns:p15="http://schemas.microsoft.com/office/powerpoint/2012/main"/>
+      <p15:sldGuideLst xmlns:p15="http://schemas.microsoft.com/office/powerpoint/2012/main">
+        <p15:guide id="1" orient="horz" pos="10368">
+          <p15:clr>
+            <a:srgbClr val="A4A3A4"/>
+          </p15:clr>
+        </p15:guide>
+        <p15:guide id="2" pos="13824">
+          <p15:clr>
+            <a:srgbClr val="A4A3A4"/>
+          </p15:clr>
+        </p15:guide>
+      </p15:sldGuideLst>
     </p:ext>
     <p:ext uri="{2D200454-40CA-4A62-9FC3-DE9A4176ACB9}">
       <p15:notesGuideLst xmlns:p15="http://schemas.microsoft.com/office/powerpoint/2012/main"/>
@@ -204,7 +214,7 @@
           <a:p>
             <a:fld id="{F1C0B079-A316-4C9B-B165-DF9EA8325D2C}" type="datetimeFigureOut">
               <a:rPr lang="es-ES" smtClean="0"/>
-              <a:t>22/05/2016</a:t>
+              <a:t>24/05/2016</a:t>
             </a:fld>
             <a:endParaRPr lang="es-ES"/>
           </a:p>
@@ -368,7 +378,7 @@
           </a:lstStyle>
           <a:p>
             <a:fld id="{38F28AB8-57D1-494F-9851-055AD867E790}" type="datetimeFigureOut">
-              <a:t>22/05/2016</a:t>
+              <a:t>24/05/2016</a:t>
             </a:fld>
             <a:endParaRPr lang="es-ES"/>
           </a:p>
@@ -990,7 +1000,7 @@
           <a:lstStyle/>
           <a:p>
             <a:fld id="{ECAA57DF-1C19-4726-AB84-014692BAD8F5}" type="datetimeFigureOut">
-              <a:t>22/05/2016</a:t>
+              <a:t>24/05/2016</a:t>
             </a:fld>
             <a:endParaRPr lang="es-ES"/>
           </a:p>
@@ -3258,7 +3268,7 @@
           <a:p>
             <a:fld id="{ECAA57DF-1C19-4726-AB84-014692BAD8F5}" type="datetimeFigureOut">
               <a:pPr/>
-              <a:t>22/05/2016</a:t>
+              <a:t>24/05/2016</a:t>
             </a:fld>
             <a:endParaRPr lang="es-ES"/>
           </a:p>
@@ -3747,32 +3757,37 @@
           <a:lstStyle/>
           <a:p>
             <a:r>
-              <a:rPr lang="es-ES" dirty="0"/>
-              <a:t>[Cambie los nombres siguientes por los de los colaboradores reales: </a:t>
-            </a:r>
-            <a:r>
-              <a:rPr lang="es-ES" dirty="0" err="1"/>
-              <a:t>Dorena</a:t>
-            </a:r>
-            <a:r>
-              <a:rPr lang="es-ES" dirty="0"/>
-              <a:t> </a:t>
-            </a:r>
-            <a:r>
-              <a:rPr lang="es-ES" dirty="0" err="1"/>
-              <a:t>Paschke</a:t>
-            </a:r>
-            <a:r>
-              <a:rPr lang="es-ES" dirty="0"/>
-              <a:t>, PhD1; David Alexander, PhD2;  Jeff Hay, RN, BSN, MHA3 y Pilar Pinilla, MD4</a:t>
+              <a:rPr lang="es-ES" dirty="0" smtClean="0"/>
+              <a:t>Jorge </a:t>
+            </a:r>
+            <a:r>
+              <a:rPr lang="es-ES" dirty="0" err="1" smtClean="0"/>
+              <a:t>Ivan</a:t>
+            </a:r>
+            <a:r>
+              <a:rPr lang="es-ES" dirty="0" smtClean="0"/>
+              <a:t> Isaza – Felipe Valencia Trejo – </a:t>
+            </a:r>
+            <a:r>
+              <a:rPr lang="es-ES" dirty="0" err="1" smtClean="0"/>
+              <a:t>Jose</a:t>
+            </a:r>
+            <a:r>
+              <a:rPr lang="es-ES" dirty="0" smtClean="0"/>
+              <a:t> F. Angarita Monsalve</a:t>
             </a:r>
             <a:br>
-              <a:rPr lang="es-ES" dirty="0"/>
+              <a:rPr lang="es-ES" dirty="0" smtClean="0"/>
             </a:br>
             <a:r>
-              <a:rPr lang="es-ES" dirty="0"/>
-              <a:t>1[Agregue la afiliación del primer colaborador], 2[Agregue la afiliación del segundo colaborador], 3[Agregue la afiliación del tercer colaborador], 4[Agregue la afiliación del cuarto colaborador]</a:t>
-            </a:r>
+              <a:rPr lang="es-ES" dirty="0" smtClean="0"/>
+              <a:t>Arquitectura de Computadores - </a:t>
+            </a:r>
+            <a:r>
+              <a:rPr lang="es-CO" dirty="0"/>
+              <a:t>Ingeniería De Sistemas Y Computación</a:t>
+            </a:r>
+            <a:endParaRPr lang="es-ES" dirty="0"/>
           </a:p>
           <a:p>
             <a:endParaRPr lang="es-ES" dirty="0"/>
@@ -3847,16 +3862,12 @@
           </a:p>
           <a:p>
             <a:r>
+              <a:rPr lang="es-CO" sz="3200" dirty="0" smtClean="0"/>
+              <a:t>La </a:t>
+            </a:r>
+            <a:r>
               <a:rPr lang="es-CO" sz="3200" dirty="0"/>
-              <a:t>El procesador </a:t>
-            </a:r>
-            <a:r>
-              <a:rPr lang="es-CO" sz="3200" dirty="0" err="1"/>
-              <a:t>UltraSPARCTM</a:t>
-            </a:r>
-            <a:r>
-              <a:rPr lang="es-CO" sz="3200" dirty="0"/>
-              <a:t> T2 es el primer "servidor en un chip" de la industria, con 8 núcleos, 64 hilos y en el chip de redes y seguridad. La riqueza del código fuente RTL, herramientas e información en </a:t>
+              <a:t>riqueza del código fuente RTL, herramientas e información en </a:t>
             </a:r>
             <a:r>
               <a:rPr lang="es-CO" sz="3200" dirty="0" err="1"/>
@@ -4051,26 +4062,40 @@
           <a:lstStyle/>
           <a:p>
             <a:r>
+              <a:rPr lang="es-CO" dirty="0" smtClean="0"/>
+              <a:t>Permite a los desarrolladores crear aplicaciones innovadoras de software más rápido y con un mayor grado de integración de hardware que nunca.</a:t>
+            </a:r>
+          </a:p>
+          <a:p>
+            <a:r>
+              <a:rPr lang="es-CO" dirty="0" smtClean="0"/>
+              <a:t>Proporciona </a:t>
+            </a:r>
+            <a:r>
               <a:rPr lang="es-CO" dirty="0"/>
-              <a:t>permite a los desarrolladores crear aplicaciones innovadoras de software más rápido y con un mayor grado de integración de hardware que nunca.</a:t>
+              <a:t>una plataforma para demostrar y poner a prueba las capacidades de la herramienta en un diseño comercial.</a:t>
             </a:r>
           </a:p>
           <a:p>
             <a:r>
               <a:rPr lang="es-CO" dirty="0"/>
-              <a:t>Los desarrolladores de software podrán ahora crear aplicaciones altamente optimizadas que están estrechamente integradas con el hardware, la creación de soluciones únicas y de alto valor para mercados específicos.</a:t>
-            </a:r>
-          </a:p>
-          <a:p>
+              <a:t>D</a:t>
+            </a:r>
+            <a:r>
+              <a:rPr lang="es-CO" dirty="0" smtClean="0"/>
+              <a:t>a </a:t>
+            </a:r>
             <a:r>
               <a:rPr lang="es-CO" dirty="0"/>
-              <a:t>proporciona una plataforma para demostrar y poner a prueba las capacidades de la herramienta en un diseño comercial.</a:t>
-            </a:r>
-          </a:p>
-          <a:p>
+              <a:t>la oportunidad de investigar, modificar, probar y </a:t>
+            </a:r>
+            <a:r>
+              <a:rPr lang="es-CO" dirty="0" smtClean="0"/>
+              <a:t>crear </a:t>
+            </a:r>
             <a:r>
               <a:rPr lang="es-CO" dirty="0"/>
-              <a:t>da la oportunidad de investigar, modificar, probar y crear soluciones únicas basadas en una arquitectura probada.</a:t>
+              <a:t>soluciones únicas basadas en una arquitectura probada.</a:t>
             </a:r>
           </a:p>
           <a:p>
@@ -4113,8 +4138,12 @@
           </a:p>
           <a:p>
             <a:r>
+              <a:rPr lang="es-CO" smtClean="0"/>
+              <a:t>Colaboración </a:t>
+            </a:r>
+            <a:r>
               <a:rPr lang="es-CO" dirty="0"/>
-              <a:t>colaboración en torno al diseño de chips.</a:t>
+              <a:t>en torno al diseño de chips.</a:t>
             </a:r>
             <a:endParaRPr lang="es-ES" dirty="0"/>
           </a:p>
@@ -4173,6 +4202,7 @@
           </a:bodyPr>
           <a:lstStyle/>
           <a:p>
+            <a:pPr algn="just"/>
             <a:r>
               <a:rPr lang="es-CO" sz="3200" dirty="0" err="1"/>
               <a:t>OpenSPARC</a:t>
@@ -4223,12 +4253,14 @@
             </a:r>
           </a:p>
           <a:p>
+            <a:pPr algn="just"/>
             <a:r>
               <a:rPr lang="es-CO" sz="3200" dirty="0"/>
-              <a:t>Fue un descubrimiento sin precedentes para reducir el consumo de energía del centro de datos, al tiempo que aumenta significativamente el flujo. Sus 32 hilos de procesamiento simultáneo, dibujo sobre tanta energía como una bombilla, dio a los clientes el mejor rendimiento por vatio de cualquier procesador disponible.</a:t>
-            </a:r>
-          </a:p>
-          <a:p>
+              <a:t>Fue un descubrimiento sin precedentes para reducir el consumo de energía del centro de datos, al tiempo que aumenta significativamente el flujo. Sus 32 hilos de procesamiento simultáneo. Este procesador está diseñado para aplicaciones comerciales tales como servidores de aplicación y servidores de bases de datos.</a:t>
+            </a:r>
+          </a:p>
+          <a:p>
+            <a:pPr algn="just"/>
             <a:endParaRPr lang="es-CO" dirty="0"/>
           </a:p>
         </p:txBody>
@@ -4250,13 +4282,26 @@
           </a:xfrm>
         </p:spPr>
         <p:txBody>
-          <a:bodyPr/>
+          <a:bodyPr>
+            <a:normAutofit fontScale="85000" lnSpcReduction="10000"/>
+          </a:bodyPr>
           <a:lstStyle/>
           <a:p>
             <a:r>
-              <a:rPr lang="es-ES" dirty="0"/>
-              <a:t>Escriba una leyenda para el contenido de los datos o las imágenes aquí.</a:t>
-            </a:r>
+              <a:rPr lang="es-ES" b="1" dirty="0"/>
+              <a:t>Información contenida en la pagina de Oracle (</a:t>
+            </a:r>
+            <a:r>
+              <a:rPr lang="es-ES" b="1" dirty="0">
+                <a:hlinkClick r:id="rId3"/>
+              </a:rPr>
+              <a:t>http://www.oracle.com/technetwork/systems/opensparc/index.html</a:t>
+            </a:r>
+            <a:r>
+              <a:rPr lang="es-ES" b="1" dirty="0" smtClean="0"/>
+              <a:t>)</a:t>
+            </a:r>
+            <a:endParaRPr lang="es-ES" dirty="0"/>
           </a:p>
           <a:p>
             <a:endParaRPr lang="es-ES" dirty="0"/>
@@ -4462,25 +4507,39 @@
           </a:xfrm>
         </p:spPr>
         <p:txBody>
-          <a:bodyPr/>
+          <a:bodyPr>
+            <a:normAutofit fontScale="92500" lnSpcReduction="20000"/>
+          </a:bodyPr>
           <a:lstStyle/>
           <a:p>
             <a:r>
-              <a:rPr lang="es-ES" dirty="0"/>
-              <a:t>Conclusión 1</a:t>
-            </a:r>
-          </a:p>
-          <a:p>
-            <a:r>
-              <a:rPr lang="es-ES" dirty="0"/>
-              <a:t>Conclusión 2</a:t>
-            </a:r>
-          </a:p>
-          <a:p>
-            <a:r>
-              <a:rPr lang="es-ES" dirty="0"/>
-              <a:t>Conclusión 3</a:t>
-            </a:r>
+              <a:rPr lang="es-CO" dirty="0" err="1"/>
+              <a:t>OpenSPARC</a:t>
+            </a:r>
+            <a:r>
+              <a:rPr lang="es-CO" dirty="0"/>
+              <a:t> es una corporación de código abierto enfocada en la distribución de los procesadores </a:t>
+            </a:r>
+            <a:r>
+              <a:rPr lang="es-CO" dirty="0" err="1"/>
+              <a:t>UltraSPARCTM</a:t>
+            </a:r>
+            <a:r>
+              <a:rPr lang="es-CO" dirty="0"/>
+              <a:t> T1 y T2 CMT. Debido a su código abierto, esta arquitectura ha sido acogida por muchas universidades y comunidad estudiantil para la investigación de hardware gracias a su versatilidad y practica </a:t>
+            </a:r>
+            <a:endParaRPr lang="es-CO" dirty="0" smtClean="0"/>
+          </a:p>
+          <a:p>
+            <a:r>
+              <a:rPr lang="es-CO" dirty="0"/>
+              <a:t>Brindar a los desarrolladores nuevas herramientas para creación de aplicaciones altamente optimizadas, con un grado de integración software-hardware mas optimas, esto al destinar sus procesadores a un desempeño acelerado tanto de las maquinas tipo </a:t>
+            </a:r>
+            <a:r>
+              <a:rPr lang="es-CO" dirty="0" smtClean="0"/>
+              <a:t>servidores</a:t>
+            </a:r>
+            <a:endParaRPr lang="es-CO" dirty="0"/>
           </a:p>
           <a:p>
             <a:endParaRPr lang="es-ES" dirty="0"/>
@@ -4923,6 +4982,7 @@
             </a:lvl9pPr>
           </a:lstStyle>
           <a:p>
+            <a:pPr algn="just"/>
             <a:r>
               <a:rPr lang="es-CO" sz="3200" dirty="0" err="1"/>
               <a:t>OpenSPARC</a:t>
@@ -4937,29 +4997,102 @@
             </a:r>
             <a:r>
               <a:rPr lang="es-CO" sz="3200" dirty="0"/>
-              <a:t> T2, una de 64 bits de ocho núcleos </a:t>
-            </a:r>
-            <a:r>
-              <a:rPr lang="es-CO" sz="3200" dirty="0" err="1"/>
+              <a:t> </a:t>
+            </a:r>
+            <a:r>
+              <a:rPr lang="es-CO" sz="3200" dirty="0" smtClean="0"/>
+              <a:t>T2, </a:t>
+            </a:r>
+            <a:r>
+              <a:rPr lang="es-CO" sz="3200" dirty="0"/>
+              <a:t>una de 64 bits de ocho núcleos </a:t>
+            </a:r>
+            <a:r>
+              <a:rPr lang="es-CO" sz="3200" dirty="0" err="1" smtClean="0"/>
               <a:t>multi</a:t>
             </a:r>
             <a:r>
+              <a:rPr lang="es-CO" sz="3200" dirty="0" smtClean="0"/>
+              <a:t>-hilo. </a:t>
+            </a:r>
+            <a:r>
               <a:rPr lang="es-CO" sz="3200" dirty="0"/>
-              <a:t>-hilo microprocesador. El procesador </a:t>
-            </a:r>
-            <a:r>
-              <a:rPr lang="es-CO" sz="3200" dirty="0" err="1"/>
+              <a:t>El procesador </a:t>
+            </a:r>
+            <a:r>
+              <a:rPr lang="es-CO" sz="3200" dirty="0" err="1" smtClean="0"/>
               <a:t>UltraSPARC</a:t>
             </a:r>
             <a:r>
+              <a:rPr lang="es-CO" sz="3200" dirty="0" smtClean="0"/>
+              <a:t> T2 </a:t>
+            </a:r>
+            <a:r>
               <a:rPr lang="es-CO" sz="3200" dirty="0"/>
-              <a:t> T2 es el primer "servidor en un chip" de la industria, el envasado de la mayoría de los núcleos e hilos de cualquier procesador de propósito general disponible, y la integración de todas las funciones clave de un servidor en un solo chip: computación, redes, seguridad, y la entrada / salida (I / O), además de una estrecha integración con el sistema operativo Solaris.</a:t>
-            </a:r>
-          </a:p>
-          <a:p>
+              <a:t>es el primer "servidor en un chip" de la </a:t>
+            </a:r>
+            <a:r>
+              <a:rPr lang="es-CO" sz="3200" dirty="0" smtClean="0"/>
+              <a:t>industria. </a:t>
+            </a:r>
             <a:r>
               <a:rPr lang="es-CO" sz="3200" dirty="0"/>
-              <a:t>Al hacer que la fuente de este diseño disponible para una comunidad más grande de revisar y aprender de, esperamos que las ideas alrededor de chip </a:t>
+              <a:t>el </a:t>
+            </a:r>
+            <a:r>
+              <a:rPr lang="es-CO" sz="3200" dirty="0" smtClean="0"/>
+              <a:t>empaquetado </a:t>
+            </a:r>
+            <a:r>
+              <a:rPr lang="es-CO" sz="3200" dirty="0"/>
+              <a:t>de la mayoría de los núcleos e hilos de cualquier procesador de propósito general disponible, y la integración de todas las funciones clave de un servidor en un solo chip: computación, redes, seguridad, y la entrada / salida (</a:t>
+            </a:r>
+            <a:r>
+              <a:rPr lang="es-CO" sz="3200" dirty="0" smtClean="0"/>
+              <a:t>I/ O</a:t>
+            </a:r>
+            <a:r>
+              <a:rPr lang="es-CO" sz="3200" dirty="0"/>
+              <a:t>), además de una estrecha integración con el sistema operativo Solaris.</a:t>
+            </a:r>
+          </a:p>
+          <a:p>
+            <a:pPr algn="just"/>
+            <a:r>
+              <a:rPr lang="es-CO" sz="3200" dirty="0"/>
+              <a:t>Al hacer que la fuente de este diseño </a:t>
+            </a:r>
+            <a:r>
+              <a:rPr lang="es-CO" sz="3200" dirty="0" smtClean="0"/>
+              <a:t>esté disponible </a:t>
+            </a:r>
+            <a:r>
+              <a:rPr lang="es-CO" sz="3200" dirty="0"/>
+              <a:t>para una comunidad más grande </a:t>
+            </a:r>
+            <a:r>
+              <a:rPr lang="es-CO" sz="3200" dirty="0" smtClean="0"/>
+              <a:t>encargada de </a:t>
+            </a:r>
+            <a:r>
+              <a:rPr lang="es-CO" sz="3200" dirty="0"/>
+              <a:t>revisar y </a:t>
+            </a:r>
+            <a:r>
+              <a:rPr lang="es-CO" sz="3200" dirty="0" smtClean="0"/>
+              <a:t>aprender, </a:t>
+            </a:r>
+            <a:r>
+              <a:rPr lang="es-CO" sz="3200" dirty="0"/>
+              <a:t>esperamos que las ideas alrededor </a:t>
+            </a:r>
+            <a:r>
+              <a:rPr lang="es-CO" sz="3200" dirty="0" smtClean="0"/>
+              <a:t>del </a:t>
+            </a:r>
+            <a:r>
+              <a:rPr lang="es-CO" sz="3200" dirty="0"/>
+              <a:t>chip </a:t>
             </a:r>
             <a:r>
               <a:rPr lang="es-CO" sz="3200" dirty="0" err="1"/>
@@ -4967,8 +5100,13 @@
             </a:r>
             <a:r>
               <a:rPr lang="es-CO" sz="3200" dirty="0"/>
-              <a:t> y conceptos de varios núcleos se pueden explorar más libremente y abiertamente, y que las innovaciones verdaderamente beneficiosos pueden conseguirse.</a:t>
-            </a:r>
+              <a:t> y conceptos de varios núcleos se pueden explorar más libremente y </a:t>
+            </a:r>
+            <a:r>
+              <a:rPr lang="es-CO" sz="3200" dirty="0" smtClean="0"/>
+              <a:t>abiertamente.</a:t>
+            </a:r>
+            <a:endParaRPr lang="es-CO" sz="3200" dirty="0"/>
           </a:p>
         </p:txBody>
       </p:sp>
@@ -4990,14 +5128,25 @@
         </p:spPr>
         <p:txBody>
           <a:bodyPr>
-            <a:normAutofit lnSpcReduction="10000"/>
+            <a:normAutofit fontScale="85000" lnSpcReduction="10000"/>
           </a:bodyPr>
           <a:lstStyle/>
           <a:p>
             <a:r>
-              <a:rPr lang="es-ES" dirty="0"/>
-              <a:t>Escriba una leyenda para el contenido de los datos o las imágenes aquí.</a:t>
-            </a:r>
+              <a:rPr lang="es-ES" b="1" dirty="0"/>
+              <a:t>Información contenida en la pagina de Oracle (</a:t>
+            </a:r>
+            <a:r>
+              <a:rPr lang="es-ES" b="1" dirty="0">
+                <a:hlinkClick r:id="rId3"/>
+              </a:rPr>
+              <a:t>http://www.oracle.com/technetwork/systems/opensparc/index.html</a:t>
+            </a:r>
+            <a:r>
+              <a:rPr lang="es-ES" b="1" dirty="0" smtClean="0"/>
+              <a:t>)</a:t>
+            </a:r>
+            <a:endParaRPr lang="es-ES" dirty="0"/>
           </a:p>
           <a:p>
             <a:endParaRPr lang="es-ES" dirty="0"/>
@@ -5022,7 +5171,7 @@
         </p:spPr>
         <p:txBody>
           <a:bodyPr>
-            <a:normAutofit fontScale="85000" lnSpcReduction="20000"/>
+            <a:normAutofit fontScale="77500" lnSpcReduction="20000"/>
           </a:bodyPr>
           <a:lstStyle/>
           <a:p>
@@ -5032,7 +5181,7 @@
             </a:r>
             <a:r>
               <a:rPr lang="es-CO" dirty="0">
-                <a:hlinkClick r:id="rId3" tooltip="GHz"/>
+                <a:hlinkClick r:id="rId4" tooltip="GHz"/>
               </a:rPr>
               <a:t>GHz</a:t>
             </a:r>
@@ -5048,7 +5197,7 @@
             </a:r>
             <a:r>
               <a:rPr lang="es-CO" dirty="0">
-                <a:hlinkClick r:id="rId4" tooltip="PCI Express"/>
+                <a:hlinkClick r:id="rId5" tooltip="PCI Express"/>
               </a:rPr>
               <a:t>PCI Express</a:t>
             </a:r>
@@ -5064,7 +5213,7 @@
             </a:r>
             <a:r>
               <a:rPr lang="es-CO" dirty="0">
-                <a:hlinkClick r:id="rId5" tooltip="10 Gigabit Ethernet"/>
+                <a:hlinkClick r:id="rId6" tooltip="10 Gigabit Ethernet"/>
               </a:rPr>
               <a:t>10 Gigabit Ethernet</a:t>
             </a:r>
@@ -5080,7 +5229,7 @@
             </a:r>
             <a:r>
               <a:rPr lang="es-CO" dirty="0">
-                <a:hlinkClick r:id="rId6" tooltip="Caché (informática)"/>
+                <a:hlinkClick r:id="rId7" tooltip="Caché (informática)"/>
               </a:rPr>
               <a:t>caché</a:t>
             </a:r>
@@ -5090,7 +5239,7 @@
             </a:r>
             <a:r>
               <a:rPr lang="es-CO" dirty="0">
-                <a:hlinkClick r:id="rId7" tooltip="Megabyte"/>
+                <a:hlinkClick r:id="rId8" tooltip="Megabyte"/>
               </a:rPr>
               <a:t>MB</a:t>
             </a:r>
@@ -5106,7 +5255,7 @@
             </a:r>
             <a:r>
               <a:rPr lang="es-CO" dirty="0">
-                <a:hlinkClick r:id="rId8" tooltip="FPU"/>
+                <a:hlinkClick r:id="rId9" tooltip="FPU"/>
               </a:rPr>
               <a:t>coprocesador matemático</a:t>
             </a:r>
@@ -5128,68 +5277,94 @@
             </a:r>
             <a:r>
               <a:rPr lang="es-CO" dirty="0">
-                <a:hlinkClick r:id="rId9" tooltip="FB-DIMM"/>
+                <a:hlinkClick r:id="rId10" tooltip="FB-DIMM"/>
               </a:rPr>
               <a:t>FB-DIMM</a:t>
             </a:r>
             <a:r>
               <a:rPr lang="es-CO" dirty="0"/>
-              <a:t> de doble canal.</a:t>
-            </a:r>
+              <a:t> de doble canal</a:t>
+            </a:r>
+            <a:r>
+              <a:rPr lang="es-CO" dirty="0" smtClean="0"/>
+              <a:t>.</a:t>
+            </a:r>
+          </a:p>
+          <a:p>
+            <a:r>
+              <a:rPr lang="es-CO" dirty="0" smtClean="0"/>
+              <a:t> 8 núcleos  y  64 hilos   en el chip de redes y seguridad</a:t>
+            </a:r>
+          </a:p>
+          <a:p>
+            <a:endParaRPr lang="es-CO" dirty="0" smtClean="0"/>
+          </a:p>
+          <a:p>
+            <a:endParaRPr lang="es-CO" dirty="0"/>
           </a:p>
           <a:p>
             <a:endParaRPr lang="es-ES" dirty="0"/>
           </a:p>
         </p:txBody>
       </p:sp>
-      <p:sp>
-        <p:nvSpPr>
-          <p:cNvPr id="21" name="Marcador de contenido 20"/>
-          <p:cNvSpPr>
-            <a:spLocks noGrp="1"/>
-          </p:cNvSpPr>
+      <p:pic>
+        <p:nvPicPr>
+          <p:cNvPr id="12" name="Marcador de contenido 11"/>
+          <p:cNvPicPr>
+            <a:picLocks noGrp="1" noChangeAspect="1"/>
+          </p:cNvPicPr>
           <p:nvPr>
             <p:ph sz="quarter" idx="32"/>
           </p:nvPr>
-        </p:nvSpPr>
+        </p:nvPicPr>
+        <p:blipFill>
+          <a:blip r:embed="rId11">
+            <a:extLst>
+              <a:ext uri="{28A0092B-C50C-407E-A947-70E740481C1C}">
+                <a14:useLocalDpi xmlns:a14="http://schemas.microsoft.com/office/drawing/2010/main" val="0"/>
+              </a:ext>
+            </a:extLst>
+          </a:blip>
+          <a:stretch>
+            <a:fillRect/>
+          </a:stretch>
+        </p:blipFill>
         <p:spPr>
           <a:xfrm>
-            <a:off x="11415066" y="15764361"/>
-            <a:ext cx="10076292" cy="6738241"/>
+            <a:off x="12540287" y="14222113"/>
+            <a:ext cx="8284763" cy="8309203"/>
           </a:xfrm>
         </p:spPr>
-        <p:txBody>
-          <a:bodyPr/>
-          <a:lstStyle/>
-          <a:p>
-            <a:endParaRPr lang="es-CO" dirty="0"/>
-          </a:p>
-        </p:txBody>
-      </p:sp>
-      <p:sp>
-        <p:nvSpPr>
-          <p:cNvPr id="22" name="Marcador de contenido 21"/>
-          <p:cNvSpPr>
-            <a:spLocks noGrp="1"/>
-          </p:cNvSpPr>
+      </p:pic>
+      <p:pic>
+        <p:nvPicPr>
+          <p:cNvPr id="17" name="Marcador de contenido 16"/>
+          <p:cNvPicPr>
+            <a:picLocks noGrp="1" noChangeAspect="1"/>
+          </p:cNvPicPr>
           <p:nvPr>
             <p:ph sz="quarter" idx="33"/>
           </p:nvPr>
-        </p:nvSpPr>
+        </p:nvPicPr>
+        <p:blipFill>
+          <a:blip r:embed="rId12">
+            <a:extLst>
+              <a:ext uri="{28A0092B-C50C-407E-A947-70E740481C1C}">
+                <a14:useLocalDpi xmlns:a14="http://schemas.microsoft.com/office/drawing/2010/main" val="0"/>
+              </a:ext>
+            </a:extLst>
+          </a:blip>
+          <a:stretch>
+            <a:fillRect/>
+          </a:stretch>
+        </p:blipFill>
         <p:spPr>
           <a:xfrm>
-            <a:off x="22310425" y="15765308"/>
-            <a:ext cx="10128440" cy="6738241"/>
+            <a:off x="23067226" y="14630400"/>
+            <a:ext cx="9390337" cy="7900916"/>
           </a:xfrm>
         </p:spPr>
-        <p:txBody>
-          <a:bodyPr/>
-          <a:lstStyle/>
-          <a:p>
-            <a:endParaRPr lang="es-CO" dirty="0"/>
-          </a:p>
-        </p:txBody>
-      </p:sp>
+      </p:pic>
       <p:sp>
         <p:nvSpPr>
           <p:cNvPr id="48" name="Marcador de texto 18"/>
@@ -5447,7 +5622,7 @@
           <a:p>
             <a:r>
               <a:rPr lang="es-ES" dirty="0">
-                <a:hlinkClick r:id="rId10"/>
+                <a:hlinkClick r:id="rId13"/>
               </a:rPr>
               <a:t>http://www.oracle.com/</a:t>
             </a:r>
@@ -5455,9 +5630,21 @@
           </a:p>
           <a:p>
             <a:r>
-              <a:rPr lang="es-ES" dirty="0"/>
-              <a:t>http://www.oracle.com/technetwork/systems/opensparc/opensparc-overview-1562924.html</a:t>
-            </a:r>
+              <a:rPr lang="es-ES" dirty="0">
+                <a:hlinkClick r:id="rId14"/>
+              </a:rPr>
+              <a:t>http://</a:t>
+            </a:r>
+            <a:r>
+              <a:rPr lang="es-ES" dirty="0" smtClean="0">
+                <a:hlinkClick r:id="rId14"/>
+              </a:rPr>
+              <a:t>www.oracle.com/technetwork/systems/opensparc/opensparc-overview-1562924.html</a:t>
+            </a:r>
+            <a:endParaRPr lang="es-ES" dirty="0" smtClean="0"/>
+          </a:p>
+          <a:p>
+            <a:endParaRPr lang="es-ES" dirty="0"/>
           </a:p>
           <a:p>
             <a:endParaRPr lang="es-ES" dirty="0"/>
@@ -5473,7 +5660,7 @@
           <p:nvPr/>
         </p:nvPicPr>
         <p:blipFill>
-          <a:blip r:embed="rId11">
+          <a:blip r:embed="rId15">
             <a:extLst>
               <a:ext uri="{28A0092B-C50C-407E-A947-70E740481C1C}">
                 <a14:useLocalDpi xmlns:a14="http://schemas.microsoft.com/office/drawing/2010/main" val="0"/>
@@ -5514,7 +5701,7 @@
           <p:nvPr/>
         </p:nvPicPr>
         <p:blipFill>
-          <a:blip r:embed="rId12">
+          <a:blip r:embed="rId16">
             <a:extLst>
               <a:ext uri="{28A0092B-C50C-407E-A947-70E740481C1C}">
                 <a14:useLocalDpi xmlns:a14="http://schemas.microsoft.com/office/drawing/2010/main" val="0"/>
@@ -5556,397 +5743,13 @@
   <p:clrMapOvr>
     <a:masterClrMapping/>
   </p:clrMapOvr>
-</p:sld>
-</file>
-
-<file path=ppt/slides/slide2.xml><?xml version="1.0" encoding="utf-8"?>
-<p:sld xmlns:a="http://schemas.openxmlformats.org/drawingml/2006/main" xmlns:r="http://schemas.openxmlformats.org/officeDocument/2006/relationships" xmlns:p="http://schemas.openxmlformats.org/presentationml/2006/main">
-  <p:cSld>
-    <p:spTree>
-      <p:nvGrpSpPr>
-        <p:cNvPr id="1" name=""/>
-        <p:cNvGrpSpPr/>
-        <p:nvPr/>
-      </p:nvGrpSpPr>
-      <p:grpSpPr>
-        <a:xfrm>
-          <a:off x="0" y="0"/>
-          <a:ext cx="0" cy="0"/>
-          <a:chOff x="0" y="0"/>
-          <a:chExt cx="0" cy="0"/>
-        </a:xfrm>
-      </p:grpSpPr>
-      <p:sp>
-        <p:nvSpPr>
-          <p:cNvPr id="2" name="Título 1"/>
-          <p:cNvSpPr>
-            <a:spLocks noGrp="1"/>
-          </p:cNvSpPr>
-          <p:nvPr>
-            <p:ph type="title"/>
-          </p:nvPr>
-        </p:nvSpPr>
-        <p:spPr/>
-        <p:txBody>
-          <a:bodyPr/>
-          <a:lstStyle/>
-          <a:p>
-            <a:endParaRPr lang="es-CO"/>
-          </a:p>
-        </p:txBody>
-      </p:sp>
-      <p:sp>
-        <p:nvSpPr>
-          <p:cNvPr id="3" name="Marcador de texto 2"/>
-          <p:cNvSpPr>
-            <a:spLocks noGrp="1"/>
-          </p:cNvSpPr>
-          <p:nvPr>
-            <p:ph type="body" sz="quarter" idx="36"/>
-          </p:nvPr>
-        </p:nvSpPr>
-        <p:spPr/>
-        <p:txBody>
-          <a:bodyPr/>
-          <a:lstStyle/>
-          <a:p>
-            <a:endParaRPr lang="es-CO"/>
-          </a:p>
-        </p:txBody>
-      </p:sp>
-      <p:sp>
-        <p:nvSpPr>
-          <p:cNvPr id="4" name="Marcador de texto 3"/>
-          <p:cNvSpPr>
-            <a:spLocks noGrp="1"/>
-          </p:cNvSpPr>
-          <p:nvPr>
-            <p:ph type="body" sz="quarter" idx="13"/>
-          </p:nvPr>
-        </p:nvSpPr>
-        <p:spPr/>
-        <p:txBody>
-          <a:bodyPr/>
-          <a:lstStyle/>
-          <a:p>
-            <a:endParaRPr lang="es-CO"/>
-          </a:p>
-        </p:txBody>
-      </p:sp>
-      <p:sp>
-        <p:nvSpPr>
-          <p:cNvPr id="5" name="Marcador de contenido 4"/>
-          <p:cNvSpPr>
-            <a:spLocks noGrp="1"/>
-          </p:cNvSpPr>
-          <p:nvPr>
-            <p:ph sz="quarter" idx="24"/>
-          </p:nvPr>
-        </p:nvSpPr>
-        <p:spPr/>
-        <p:txBody>
-          <a:bodyPr/>
-          <a:lstStyle/>
-          <a:p>
-            <a:endParaRPr lang="es-CO"/>
-          </a:p>
-        </p:txBody>
-      </p:sp>
-      <p:sp>
-        <p:nvSpPr>
-          <p:cNvPr id="6" name="Marcador de texto 5"/>
-          <p:cNvSpPr>
-            <a:spLocks noGrp="1"/>
-          </p:cNvSpPr>
-          <p:nvPr>
-            <p:ph type="body" sz="quarter" idx="17"/>
-          </p:nvPr>
-        </p:nvSpPr>
-        <p:spPr/>
-        <p:txBody>
-          <a:bodyPr/>
-          <a:lstStyle/>
-          <a:p>
-            <a:endParaRPr lang="es-CO"/>
-          </a:p>
-        </p:txBody>
-      </p:sp>
-      <p:sp>
-        <p:nvSpPr>
-          <p:cNvPr id="7" name="Marcador de contenido 6"/>
-          <p:cNvSpPr>
-            <a:spLocks noGrp="1"/>
-          </p:cNvSpPr>
-          <p:nvPr>
-            <p:ph sz="quarter" idx="25"/>
-          </p:nvPr>
-        </p:nvSpPr>
-        <p:spPr/>
-        <p:txBody>
-          <a:bodyPr/>
-          <a:lstStyle/>
-          <a:p>
-            <a:endParaRPr lang="es-CO"/>
-          </a:p>
-        </p:txBody>
-      </p:sp>
-      <p:sp>
-        <p:nvSpPr>
-          <p:cNvPr id="8" name="Marcador de texto 7"/>
-          <p:cNvSpPr>
-            <a:spLocks noGrp="1"/>
-          </p:cNvSpPr>
-          <p:nvPr>
-            <p:ph type="body" sz="quarter" idx="19"/>
-          </p:nvPr>
-        </p:nvSpPr>
-        <p:spPr/>
-        <p:txBody>
-          <a:bodyPr/>
-          <a:lstStyle/>
-          <a:p>
-            <a:endParaRPr lang="es-CO"/>
-          </a:p>
-        </p:txBody>
-      </p:sp>
-      <p:sp>
-        <p:nvSpPr>
-          <p:cNvPr id="9" name="Marcador de contenido 8"/>
-          <p:cNvSpPr>
-            <a:spLocks noGrp="1"/>
-          </p:cNvSpPr>
-          <p:nvPr>
-            <p:ph sz="quarter" idx="26"/>
-          </p:nvPr>
-        </p:nvSpPr>
-        <p:spPr/>
-        <p:txBody>
-          <a:bodyPr/>
-          <a:lstStyle/>
-          <a:p>
-            <a:endParaRPr lang="es-CO"/>
-          </a:p>
-        </p:txBody>
-      </p:sp>
-      <p:sp>
-        <p:nvSpPr>
-          <p:cNvPr id="10" name="Marcador de texto 9"/>
-          <p:cNvSpPr>
-            <a:spLocks noGrp="1"/>
-          </p:cNvSpPr>
-          <p:nvPr>
-            <p:ph type="body" sz="quarter" idx="21"/>
-          </p:nvPr>
-        </p:nvSpPr>
-        <p:spPr/>
-        <p:txBody>
-          <a:bodyPr/>
-          <a:lstStyle/>
-          <a:p>
-            <a:endParaRPr lang="es-CO" dirty="0"/>
-          </a:p>
-        </p:txBody>
-      </p:sp>
-      <p:sp>
-        <p:nvSpPr>
-          <p:cNvPr id="11" name="Marcador de contenido 10"/>
-          <p:cNvSpPr>
-            <a:spLocks noGrp="1"/>
-          </p:cNvSpPr>
-          <p:nvPr>
-            <p:ph sz="quarter" idx="27"/>
-          </p:nvPr>
-        </p:nvSpPr>
-        <p:spPr/>
-        <p:txBody>
-          <a:bodyPr/>
-          <a:lstStyle/>
-          <a:p>
-            <a:endParaRPr lang="es-CO"/>
-          </a:p>
-        </p:txBody>
-      </p:sp>
-      <p:sp>
-        <p:nvSpPr>
-          <p:cNvPr id="12" name="Marcador de contenido 11"/>
-          <p:cNvSpPr>
-            <a:spLocks noGrp="1"/>
-          </p:cNvSpPr>
-          <p:nvPr>
-            <p:ph sz="quarter" idx="23"/>
-          </p:nvPr>
-        </p:nvSpPr>
-        <p:spPr/>
-        <p:txBody>
-          <a:bodyPr/>
-          <a:lstStyle/>
-          <a:p>
-            <a:endParaRPr lang="es-CO"/>
-          </a:p>
-        </p:txBody>
-      </p:sp>
-      <p:sp>
-        <p:nvSpPr>
-          <p:cNvPr id="13" name="Marcador de contenido 12"/>
-          <p:cNvSpPr>
-            <a:spLocks noGrp="1"/>
-          </p:cNvSpPr>
-          <p:nvPr>
-            <p:ph sz="quarter" idx="28"/>
-          </p:nvPr>
-        </p:nvSpPr>
-        <p:spPr/>
-        <p:txBody>
-          <a:bodyPr/>
-          <a:lstStyle/>
-          <a:p>
-            <a:endParaRPr lang="es-CO"/>
-          </a:p>
-        </p:txBody>
-      </p:sp>
-      <p:sp>
-        <p:nvSpPr>
-          <p:cNvPr id="14" name="Marcador de texto 13"/>
-          <p:cNvSpPr>
-            <a:spLocks noGrp="1"/>
-          </p:cNvSpPr>
-          <p:nvPr>
-            <p:ph type="body" sz="quarter" idx="29"/>
-          </p:nvPr>
-        </p:nvSpPr>
-        <p:spPr/>
-        <p:txBody>
-          <a:bodyPr/>
-          <a:lstStyle/>
-          <a:p>
-            <a:endParaRPr lang="es-CO"/>
-          </a:p>
-        </p:txBody>
-      </p:sp>
-      <p:sp>
-        <p:nvSpPr>
-          <p:cNvPr id="15" name="Marcador de contenido 14"/>
-          <p:cNvSpPr>
-            <a:spLocks noGrp="1"/>
-          </p:cNvSpPr>
-          <p:nvPr>
-            <p:ph sz="quarter" idx="30"/>
-          </p:nvPr>
-        </p:nvSpPr>
-        <p:spPr/>
-        <p:txBody>
-          <a:bodyPr/>
-          <a:lstStyle/>
-          <a:p>
-            <a:endParaRPr lang="es-CO"/>
-          </a:p>
-        </p:txBody>
-      </p:sp>
-      <p:sp>
-        <p:nvSpPr>
-          <p:cNvPr id="16" name="Marcador de texto 15"/>
-          <p:cNvSpPr>
-            <a:spLocks noGrp="1"/>
-          </p:cNvSpPr>
-          <p:nvPr>
-            <p:ph type="body" sz="quarter" idx="31"/>
-          </p:nvPr>
-        </p:nvSpPr>
-        <p:spPr/>
-        <p:txBody>
-          <a:bodyPr/>
-          <a:lstStyle/>
-          <a:p>
-            <a:endParaRPr lang="es-CO"/>
-          </a:p>
-        </p:txBody>
-      </p:sp>
-      <p:sp>
-        <p:nvSpPr>
-          <p:cNvPr id="17" name="Marcador de contenido 16"/>
-          <p:cNvSpPr>
-            <a:spLocks noGrp="1"/>
-          </p:cNvSpPr>
-          <p:nvPr>
-            <p:ph sz="quarter" idx="32"/>
-          </p:nvPr>
-        </p:nvSpPr>
-        <p:spPr/>
-        <p:txBody>
-          <a:bodyPr/>
-          <a:lstStyle/>
-          <a:p>
-            <a:endParaRPr lang="es-CO"/>
-          </a:p>
-        </p:txBody>
-      </p:sp>
-      <p:sp>
-        <p:nvSpPr>
-          <p:cNvPr id="18" name="Marcador de contenido 17"/>
-          <p:cNvSpPr>
-            <a:spLocks noGrp="1"/>
-          </p:cNvSpPr>
-          <p:nvPr>
-            <p:ph sz="quarter" idx="33"/>
-          </p:nvPr>
-        </p:nvSpPr>
-        <p:spPr/>
-        <p:txBody>
-          <a:bodyPr/>
-          <a:lstStyle/>
-          <a:p>
-            <a:endParaRPr lang="es-CO"/>
-          </a:p>
-        </p:txBody>
-      </p:sp>
-      <p:sp>
-        <p:nvSpPr>
-          <p:cNvPr id="19" name="Marcador de texto 18"/>
-          <p:cNvSpPr>
-            <a:spLocks noGrp="1"/>
-          </p:cNvSpPr>
-          <p:nvPr>
-            <p:ph type="body" sz="quarter" idx="34"/>
-          </p:nvPr>
-        </p:nvSpPr>
-        <p:spPr/>
-        <p:txBody>
-          <a:bodyPr/>
-          <a:lstStyle/>
-          <a:p>
-            <a:endParaRPr lang="es-CO"/>
-          </a:p>
-        </p:txBody>
-      </p:sp>
-      <p:sp>
-        <p:nvSpPr>
-          <p:cNvPr id="20" name="Marcador de contenido 19"/>
-          <p:cNvSpPr>
-            <a:spLocks noGrp="1"/>
-          </p:cNvSpPr>
-          <p:nvPr>
-            <p:ph sz="quarter" idx="35"/>
-          </p:nvPr>
-        </p:nvSpPr>
-        <p:spPr/>
-        <p:txBody>
-          <a:bodyPr/>
-          <a:lstStyle/>
-          <a:p>
-            <a:endParaRPr lang="es-CO"/>
-          </a:p>
-        </p:txBody>
-      </p:sp>
-    </p:spTree>
-    <p:extLst>
-      <p:ext uri="{BB962C8B-B14F-4D97-AF65-F5344CB8AC3E}">
-        <p14:creationId xmlns:p14="http://schemas.microsoft.com/office/powerpoint/2010/main" val="2829632843"/>
-      </p:ext>
-    </p:extLst>
-  </p:cSld>
-  <p:clrMapOvr>
-    <a:masterClrMapping/>
-  </p:clrMapOvr>
+  <p:timing>
+    <p:tnLst>
+      <p:par>
+        <p:cTn id="1" dur="indefinite" restart="never" nodeType="tmRoot"/>
+      </p:par>
+    </p:tnLst>
+  </p:timing>
 </p:sld>
 </file>
 
@@ -6805,6 +6608,21 @@
 </file>
 
 <file path=customXml/item1.xml><?xml version="1.0" encoding="utf-8"?>
+<p:properties xmlns:p="http://schemas.microsoft.com/office/2006/metadata/properties" xmlns:xsi="http://www.w3.org/2001/XMLSchema-instance" xmlns:pc="http://schemas.microsoft.com/office/infopath/2007/PartnerControls">
+  <documentManagement/>
+</p:properties>
+</file>
+
+<file path=customXml/item2.xml><?xml version="1.0" encoding="utf-8"?>
+<?mso-contentType ?>
+<FormTemplates xmlns="http://schemas.microsoft.com/sharepoint/v3/contenttype/forms">
+  <Display>DocumentoBibliotecaFormulario</Display>
+  <Edit>DocumentoBibliotecaFormulario</Edit>
+  <New>DocumentoBibliotecaFormulario</New>
+</FormTemplates>
+</file>
+
+<file path=customXml/item3.xml><?xml version="1.0" encoding="utf-8"?>
 <ct:contentTypeSchema xmlns:ct="http://schemas.microsoft.com/office/2006/metadata/contentType" xmlns:ma="http://schemas.microsoft.com/office/2006/metadata/properties/metaAttributes" ct:_="" ma:_="" ma:contentTypeName="Document" ma:contentTypeID="0x0101007C1D5F340F01F94FA2FD29A5E6DC872E" ma:contentTypeVersion="0" ma:contentTypeDescription="Create a new document." ma:contentTypeScope="" ma:versionID="f583bd66513a361a730282b6a794e352">
   <xsd:schema xmlns:xsd="http://www.w3.org/2001/XMLSchema" xmlns:xs="http://www.w3.org/2001/XMLSchema" xmlns:p="http://schemas.microsoft.com/office/2006/metadata/properties" targetNamespace="http://schemas.microsoft.com/office/2006/metadata/properties" ma:root="true" ma:fieldsID="6841151cf538834e171094e4faaf2d73">
     <xsd:element name="properties">
@@ -6918,22 +6736,30 @@
 </ct:contentTypeSchema>
 </file>
 
-<file path=customXml/item2.xml><?xml version="1.0" encoding="utf-8"?>
-<?mso-contentType ?>
-<FormTemplates xmlns="http://schemas.microsoft.com/sharepoint/v3/contenttype/forms">
-  <Display>DocumentoBibliotecaFormulario</Display>
-  <Edit>DocumentoBibliotecaFormulario</Edit>
-  <New>DocumentoBibliotecaFormulario</New>
-</FormTemplates>
+<file path=customXml/itemProps1.xml><?xml version="1.0" encoding="utf-8"?>
+<ds:datastoreItem xmlns:ds="http://schemas.openxmlformats.org/officeDocument/2006/customXml" ds:itemID="{1E4AACF7-51B1-41A0-AAF9-D883E2E86D45}">
+  <ds:schemaRefs>
+    <ds:schemaRef ds:uri="http://schemas.microsoft.com/office/2006/metadata/properties"/>
+    <ds:schemaRef ds:uri="http://purl.org/dc/terms/"/>
+    <ds:schemaRef ds:uri="http://purl.org/dc/elements/1.1/"/>
+    <ds:schemaRef ds:uri="http://www.w3.org/XML/1998/namespace"/>
+    <ds:schemaRef ds:uri="http://schemas.microsoft.com/office/infopath/2007/PartnerControls"/>
+    <ds:schemaRef ds:uri="http://schemas.microsoft.com/office/2006/documentManagement/types"/>
+    <ds:schemaRef ds:uri="http://schemas.openxmlformats.org/package/2006/metadata/core-properties"/>
+    <ds:schemaRef ds:uri="http://purl.org/dc/dcmitype/"/>
+  </ds:schemaRefs>
+</ds:datastoreItem>
 </file>
 
-<file path=customXml/item3.xml><?xml version="1.0" encoding="utf-8"?>
-<p:properties xmlns:p="http://schemas.microsoft.com/office/2006/metadata/properties" xmlns:xsi="http://www.w3.org/2001/XMLSchema-instance" xmlns:pc="http://schemas.microsoft.com/office/infopath/2007/PartnerControls">
-  <documentManagement/>
-</p:properties>
+<file path=customXml/itemProps2.xml><?xml version="1.0" encoding="utf-8"?>
+<ds:datastoreItem xmlns:ds="http://schemas.openxmlformats.org/officeDocument/2006/customXml" ds:itemID="{CDCE3ED8-2D07-4BA2-9005-4F3ED3D7E6E9}">
+  <ds:schemaRefs>
+    <ds:schemaRef ds:uri="http://schemas.microsoft.com/sharepoint/v3/contenttype/forms"/>
+  </ds:schemaRefs>
+</ds:datastoreItem>
 </file>
 
-<file path=customXml/itemProps1.xml><?xml version="1.0" encoding="utf-8"?>
+<file path=customXml/itemProps3.xml><?xml version="1.0" encoding="utf-8"?>
 <ds:datastoreItem xmlns:ds="http://schemas.openxmlformats.org/officeDocument/2006/customXml" ds:itemID="{4D8B3D7D-95B4-4748-9FFB-C281E1B965A5}">
   <ds:schemaRefs>
     <ds:schemaRef ds:uri="http://schemas.microsoft.com/office/2006/metadata/contentType"/>
@@ -6947,27 +6773,4 @@
     <ds:schemaRef ds:uri="http://schemas.microsoft.com/office/infopath/2007/PartnerControls"/>
   </ds:schemaRefs>
 </ds:datastoreItem>
-</file>
-
-<file path=customXml/itemProps2.xml><?xml version="1.0" encoding="utf-8"?>
-<ds:datastoreItem xmlns:ds="http://schemas.openxmlformats.org/officeDocument/2006/customXml" ds:itemID="{CDCE3ED8-2D07-4BA2-9005-4F3ED3D7E6E9}">
-  <ds:schemaRefs>
-    <ds:schemaRef ds:uri="http://schemas.microsoft.com/sharepoint/v3/contenttype/forms"/>
-  </ds:schemaRefs>
-</ds:datastoreItem>
-</file>
-
-<file path=customXml/itemProps3.xml><?xml version="1.0" encoding="utf-8"?>
-<ds:datastoreItem xmlns:ds="http://schemas.openxmlformats.org/officeDocument/2006/customXml" ds:itemID="{1E4AACF7-51B1-41A0-AAF9-D883E2E86D45}">
-  <ds:schemaRefs>
-    <ds:schemaRef ds:uri="http://schemas.microsoft.com/office/2006/metadata/properties"/>
-    <ds:schemaRef ds:uri="http://purl.org/dc/terms/"/>
-    <ds:schemaRef ds:uri="http://purl.org/dc/elements/1.1/"/>
-    <ds:schemaRef ds:uri="http://www.w3.org/XML/1998/namespace"/>
-    <ds:schemaRef ds:uri="http://schemas.microsoft.com/office/infopath/2007/PartnerControls"/>
-    <ds:schemaRef ds:uri="http://schemas.microsoft.com/office/2006/documentManagement/types"/>
-    <ds:schemaRef ds:uri="http://schemas.openxmlformats.org/package/2006/metadata/core-properties"/>
-    <ds:schemaRef ds:uri="http://purl.org/dc/dcmitype/"/>
-  </ds:schemaRefs>
-</ds:datastoreItem>
 </file>